--- a/Project - Power Point.pptx
+++ b/Project - Power Point.pptx
@@ -5,14 +5,20 @@
     <p:sldMasterId id="2147483648" r:id="rId1"/>
   </p:sldMasterIdLst>
   <p:notesMasterIdLst>
-    <p:notesMasterId r:id="rId7"/>
+    <p:notesMasterId r:id="rId13"/>
   </p:notesMasterIdLst>
   <p:sldIdLst>
     <p:sldId id="256" r:id="rId2"/>
     <p:sldId id="257" r:id="rId3"/>
-    <p:sldId id="260" r:id="rId4"/>
-    <p:sldId id="258" r:id="rId5"/>
-    <p:sldId id="259" r:id="rId6"/>
+    <p:sldId id="261" r:id="rId4"/>
+    <p:sldId id="262" r:id="rId5"/>
+    <p:sldId id="267" r:id="rId6"/>
+    <p:sldId id="265" r:id="rId7"/>
+    <p:sldId id="266" r:id="rId8"/>
+    <p:sldId id="260" r:id="rId9"/>
+    <p:sldId id="258" r:id="rId10"/>
+    <p:sldId id="263" r:id="rId11"/>
+    <p:sldId id="259" r:id="rId12"/>
   </p:sldIdLst>
   <p:sldSz cx="12192000" cy="6858000"/>
   <p:notesSz cx="6858000" cy="9144000"/>
@@ -201,7 +207,7 @@
           <a:p>
             <a:fld id="{9962AB95-C3F2-408C-82AD-98F0E5BBC261}" type="datetimeFigureOut">
               <a:rPr lang="en-US" smtClean="0"/>
-              <a:t>4/27/2020</a:t>
+              <a:t>4/29/2020</a:t>
             </a:fld>
             <a:endParaRPr lang="en-US"/>
           </a:p>
@@ -615,7 +621,7 @@
           <a:p>
             <a:fld id="{59E4852F-AA52-4D36-99F0-0C623AEDDEB6}" type="datetimeFigureOut">
               <a:rPr lang="en-US" smtClean="0"/>
-              <a:t>4/27/2020</a:t>
+              <a:t>4/29/2020</a:t>
             </a:fld>
             <a:endParaRPr lang="en-US"/>
           </a:p>
@@ -813,7 +819,7 @@
           <a:p>
             <a:fld id="{59E4852F-AA52-4D36-99F0-0C623AEDDEB6}" type="datetimeFigureOut">
               <a:rPr lang="en-US" smtClean="0"/>
-              <a:t>4/27/2020</a:t>
+              <a:t>4/29/2020</a:t>
             </a:fld>
             <a:endParaRPr lang="en-US"/>
           </a:p>
@@ -1021,7 +1027,7 @@
           <a:p>
             <a:fld id="{59E4852F-AA52-4D36-99F0-0C623AEDDEB6}" type="datetimeFigureOut">
               <a:rPr lang="en-US" smtClean="0"/>
-              <a:t>4/27/2020</a:t>
+              <a:t>4/29/2020</a:t>
             </a:fld>
             <a:endParaRPr lang="en-US"/>
           </a:p>
@@ -1219,7 +1225,7 @@
           <a:p>
             <a:fld id="{59E4852F-AA52-4D36-99F0-0C623AEDDEB6}" type="datetimeFigureOut">
               <a:rPr lang="en-US" smtClean="0"/>
-              <a:t>4/27/2020</a:t>
+              <a:t>4/29/2020</a:t>
             </a:fld>
             <a:endParaRPr lang="en-US"/>
           </a:p>
@@ -1469,7 +1475,7 @@
           <a:p>
             <a:fld id="{59E4852F-AA52-4D36-99F0-0C623AEDDEB6}" type="datetimeFigureOut">
               <a:rPr lang="en-US" smtClean="0"/>
-              <a:t>4/27/2020</a:t>
+              <a:t>4/29/2020</a:t>
             </a:fld>
             <a:endParaRPr lang="en-US"/>
           </a:p>
@@ -1734,7 +1740,7 @@
           <a:p>
             <a:fld id="{59E4852F-AA52-4D36-99F0-0C623AEDDEB6}" type="datetimeFigureOut">
               <a:rPr lang="en-US" smtClean="0"/>
-              <a:t>4/27/2020</a:t>
+              <a:t>4/29/2020</a:t>
             </a:fld>
             <a:endParaRPr lang="en-US"/>
           </a:p>
@@ -2146,7 +2152,7 @@
           <a:p>
             <a:fld id="{59E4852F-AA52-4D36-99F0-0C623AEDDEB6}" type="datetimeFigureOut">
               <a:rPr lang="en-US" smtClean="0"/>
-              <a:t>4/27/2020</a:t>
+              <a:t>4/29/2020</a:t>
             </a:fld>
             <a:endParaRPr lang="en-US"/>
           </a:p>
@@ -2287,7 +2293,7 @@
           <a:p>
             <a:fld id="{59E4852F-AA52-4D36-99F0-0C623AEDDEB6}" type="datetimeFigureOut">
               <a:rPr lang="en-US" smtClean="0"/>
-              <a:t>4/27/2020</a:t>
+              <a:t>4/29/2020</a:t>
             </a:fld>
             <a:endParaRPr lang="en-US"/>
           </a:p>
@@ -2400,7 +2406,7 @@
           <a:p>
             <a:fld id="{59E4852F-AA52-4D36-99F0-0C623AEDDEB6}" type="datetimeFigureOut">
               <a:rPr lang="en-US" smtClean="0"/>
-              <a:t>4/27/2020</a:t>
+              <a:t>4/29/2020</a:t>
             </a:fld>
             <a:endParaRPr lang="en-US"/>
           </a:p>
@@ -2711,7 +2717,7 @@
           <a:p>
             <a:fld id="{59E4852F-AA52-4D36-99F0-0C623AEDDEB6}" type="datetimeFigureOut">
               <a:rPr lang="en-US" smtClean="0"/>
-              <a:t>4/27/2020</a:t>
+              <a:t>4/29/2020</a:t>
             </a:fld>
             <a:endParaRPr lang="en-US"/>
           </a:p>
@@ -2999,7 +3005,7 @@
           <a:p>
             <a:fld id="{59E4852F-AA52-4D36-99F0-0C623AEDDEB6}" type="datetimeFigureOut">
               <a:rPr lang="en-US" smtClean="0"/>
-              <a:t>4/27/2020</a:t>
+              <a:t>4/29/2020</a:t>
             </a:fld>
             <a:endParaRPr lang="en-US"/>
           </a:p>
@@ -3240,7 +3246,7 @@
           <a:p>
             <a:fld id="{59E4852F-AA52-4D36-99F0-0C623AEDDEB6}" type="datetimeFigureOut">
               <a:rPr lang="en-US" smtClean="0"/>
-              <a:t>4/27/2020</a:t>
+              <a:t>4/29/2020</a:t>
             </a:fld>
             <a:endParaRPr lang="en-US"/>
           </a:p>
@@ -5460,6 +5466,300 @@
 </p:sld>
 </file>
 
+<file path=ppt/slides/slide10.xml><?xml version="1.0" encoding="utf-8"?>
+<p:sld xmlns:a="http://schemas.openxmlformats.org/drawingml/2006/main" xmlns:r="http://schemas.openxmlformats.org/officeDocument/2006/relationships" xmlns:p="http://schemas.openxmlformats.org/presentationml/2006/main">
+  <p:cSld>
+    <p:spTree>
+      <p:nvGrpSpPr>
+        <p:cNvPr id="1" name=""/>
+        <p:cNvGrpSpPr/>
+        <p:nvPr/>
+      </p:nvGrpSpPr>
+      <p:grpSpPr>
+        <a:xfrm>
+          <a:off x="0" y="0"/>
+          <a:ext cx="0" cy="0"/>
+          <a:chOff x="0" y="0"/>
+          <a:chExt cx="0" cy="0"/>
+        </a:xfrm>
+      </p:grpSpPr>
+      <p:sp>
+        <p:nvSpPr>
+          <p:cNvPr id="2" name="Title 1">
+            <a:extLst>
+              <a:ext uri="{FF2B5EF4-FFF2-40B4-BE49-F238E27FC236}">
+                <a16:creationId xmlns:a16="http://schemas.microsoft.com/office/drawing/2014/main" id="{B351375A-8DE9-4DD4-832E-A9805B172133}"/>
+              </a:ext>
+            </a:extLst>
+          </p:cNvPr>
+          <p:cNvSpPr>
+            <a:spLocks noGrp="1"/>
+          </p:cNvSpPr>
+          <p:nvPr>
+            <p:ph type="title"/>
+          </p:nvPr>
+        </p:nvSpPr>
+        <p:spPr/>
+        <p:txBody>
+          <a:bodyPr/>
+          <a:lstStyle/>
+          <a:p>
+            <a:r>
+              <a:rPr lang="en-US" dirty="0"/>
+              <a:t>Conclusion </a:t>
+            </a:r>
+          </a:p>
+        </p:txBody>
+      </p:sp>
+      <p:sp>
+        <p:nvSpPr>
+          <p:cNvPr id="3" name="Content Placeholder 2">
+            <a:extLst>
+              <a:ext uri="{FF2B5EF4-FFF2-40B4-BE49-F238E27FC236}">
+                <a16:creationId xmlns:a16="http://schemas.microsoft.com/office/drawing/2014/main" id="{BD5A8806-926B-4FAB-927A-19870534BF9B}"/>
+              </a:ext>
+            </a:extLst>
+          </p:cNvPr>
+          <p:cNvSpPr>
+            <a:spLocks noGrp="1"/>
+          </p:cNvSpPr>
+          <p:nvPr>
+            <p:ph idx="1"/>
+          </p:nvPr>
+        </p:nvSpPr>
+        <p:spPr/>
+        <p:txBody>
+          <a:bodyPr/>
+          <a:lstStyle/>
+          <a:p>
+            <a:endParaRPr lang="en-US"/>
+          </a:p>
+        </p:txBody>
+      </p:sp>
+    </p:spTree>
+    <p:extLst>
+      <p:ext uri="{BB962C8B-B14F-4D97-AF65-F5344CB8AC3E}">
+        <p14:creationId xmlns:p14="http://schemas.microsoft.com/office/powerpoint/2010/main" val="4176661831"/>
+      </p:ext>
+    </p:extLst>
+  </p:cSld>
+  <p:clrMapOvr>
+    <a:masterClrMapping/>
+  </p:clrMapOvr>
+</p:sld>
+</file>
+
+<file path=ppt/slides/slide11.xml><?xml version="1.0" encoding="utf-8"?>
+<p:sld xmlns:a="http://schemas.openxmlformats.org/drawingml/2006/main" xmlns:r="http://schemas.openxmlformats.org/officeDocument/2006/relationships" xmlns:p="http://schemas.openxmlformats.org/presentationml/2006/main">
+  <p:cSld>
+    <p:spTree>
+      <p:nvGrpSpPr>
+        <p:cNvPr id="1" name=""/>
+        <p:cNvGrpSpPr/>
+        <p:nvPr/>
+      </p:nvGrpSpPr>
+      <p:grpSpPr>
+        <a:xfrm>
+          <a:off x="0" y="0"/>
+          <a:ext cx="0" cy="0"/>
+          <a:chOff x="0" y="0"/>
+          <a:chExt cx="0" cy="0"/>
+        </a:xfrm>
+      </p:grpSpPr>
+      <p:sp>
+        <p:nvSpPr>
+          <p:cNvPr id="2" name="Title 1">
+            <a:extLst>
+              <a:ext uri="{FF2B5EF4-FFF2-40B4-BE49-F238E27FC236}">
+                <a16:creationId xmlns:a16="http://schemas.microsoft.com/office/drawing/2014/main" id="{3EF1EA6A-9A7C-4B37-8B6B-801A5AC05EB0}"/>
+              </a:ext>
+            </a:extLst>
+          </p:cNvPr>
+          <p:cNvSpPr>
+            <a:spLocks noGrp="1"/>
+          </p:cNvSpPr>
+          <p:nvPr>
+            <p:ph type="title"/>
+          </p:nvPr>
+        </p:nvSpPr>
+        <p:spPr/>
+        <p:txBody>
+          <a:bodyPr/>
+          <a:lstStyle/>
+          <a:p>
+            <a:r>
+              <a:rPr lang="en-US" dirty="0"/>
+              <a:t>REFERENCES</a:t>
+            </a:r>
+          </a:p>
+        </p:txBody>
+      </p:sp>
+      <p:sp>
+        <p:nvSpPr>
+          <p:cNvPr id="3" name="Content Placeholder 2">
+            <a:extLst>
+              <a:ext uri="{FF2B5EF4-FFF2-40B4-BE49-F238E27FC236}">
+                <a16:creationId xmlns:a16="http://schemas.microsoft.com/office/drawing/2014/main" id="{BC1C5028-2BC4-42D5-989C-5DAA5DF5E7FC}"/>
+              </a:ext>
+            </a:extLst>
+          </p:cNvPr>
+          <p:cNvSpPr>
+            <a:spLocks noGrp="1"/>
+          </p:cNvSpPr>
+          <p:nvPr>
+            <p:ph idx="1"/>
+          </p:nvPr>
+        </p:nvSpPr>
+        <p:spPr>
+          <a:xfrm>
+            <a:off x="838200" y="1470581"/>
+            <a:ext cx="10515600" cy="4706382"/>
+          </a:xfrm>
+        </p:spPr>
+        <p:txBody>
+          <a:bodyPr>
+            <a:normAutofit/>
+          </a:bodyPr>
+          <a:lstStyle/>
+          <a:p>
+            <a:r>
+              <a:rPr lang="en-US" sz="2000" dirty="0"/>
+              <a:t>API’s used:</a:t>
+            </a:r>
+          </a:p>
+          <a:p>
+            <a:pPr lvl="1"/>
+            <a:r>
+              <a:rPr lang="en-US" sz="1600" dirty="0">
+                <a:hlinkClick r:id="rId2"/>
+              </a:rPr>
+              <a:t>https://dev.socrata.com/foundry/chronicdata.cdc.gov/hn4x-zwk7</a:t>
+            </a:r>
+            <a:endParaRPr lang="en-US" sz="1600" dirty="0"/>
+          </a:p>
+          <a:p>
+            <a:pPr lvl="1"/>
+            <a:r>
+              <a:rPr lang="en-US" sz="1600" dirty="0">
+                <a:hlinkClick r:id="rId3"/>
+              </a:rPr>
+              <a:t>https://aqs.epa.gov/data/api/annualData/byState?</a:t>
+            </a:r>
+            <a:endParaRPr lang="en-US" sz="1600" dirty="0"/>
+          </a:p>
+          <a:p>
+            <a:pPr marL="457200" lvl="1" indent="0">
+              <a:buNone/>
+            </a:pPr>
+            <a:endParaRPr lang="en-US" sz="1600" dirty="0"/>
+          </a:p>
+          <a:p>
+            <a:pPr lvl="1"/>
+            <a:r>
+              <a:rPr lang="en-US" sz="1600" dirty="0">
+                <a:hlinkClick r:id="rId4"/>
+              </a:rPr>
+              <a:t>https://aqs.epa.gov/aqsweb/airdata/FileFormats.html</a:t>
+            </a:r>
+            <a:endParaRPr lang="en-US" sz="1600" dirty="0"/>
+          </a:p>
+          <a:p>
+            <a:pPr marL="457200" lvl="1" indent="0">
+              <a:buNone/>
+            </a:pPr>
+            <a:endParaRPr lang="en-US" sz="1600" dirty="0"/>
+          </a:p>
+          <a:p>
+            <a:pPr marL="457200" lvl="1" indent="0">
+              <a:buNone/>
+            </a:pPr>
+            <a:r>
+              <a:rPr lang="en-US" sz="1600" dirty="0"/>
+              <a:t>CSV File:</a:t>
+            </a:r>
+          </a:p>
+          <a:p>
+            <a:pPr marL="457200" lvl="1" indent="0">
+              <a:buNone/>
+            </a:pPr>
+            <a:r>
+              <a:rPr lang="en-US" sz="1600" dirty="0"/>
+              <a:t>Behavioral Risk Factor Surveillance System</a:t>
+            </a:r>
+          </a:p>
+          <a:p>
+            <a:pPr marL="457200" lvl="1" indent="0">
+              <a:buNone/>
+            </a:pPr>
+            <a:r>
+              <a:rPr lang="en-US" sz="1600" dirty="0">
+                <a:hlinkClick r:id="rId5"/>
+              </a:rPr>
+              <a:t>https://dev.socrata.com/foundry/chronicdata.cdc.gov/8mrp-rmkw</a:t>
+            </a:r>
+            <a:endParaRPr lang="en-US" sz="1600" dirty="0"/>
+          </a:p>
+          <a:p>
+            <a:pPr marL="457200" lvl="1" indent="0">
+              <a:buNone/>
+            </a:pPr>
+            <a:r>
+              <a:rPr lang="en-US" sz="1600" dirty="0">
+                <a:hlinkClick r:id="rId6"/>
+              </a:rPr>
+              <a:t>https://chronicdata.cdc.gov/Nutrition-Physical-Activity-and-Obesity/Nutrition-Physical-Activity-and-Obesity-Behavioral/hn4x-zwk7</a:t>
+            </a:r>
+            <a:endParaRPr lang="en-US" sz="1600" dirty="0"/>
+          </a:p>
+          <a:p>
+            <a:pPr lvl="1"/>
+            <a:endParaRPr lang="en-US" sz="1600" dirty="0"/>
+          </a:p>
+        </p:txBody>
+      </p:sp>
+      <p:pic>
+        <p:nvPicPr>
+          <p:cNvPr id="4" name="Picture 3">
+            <a:extLst>
+              <a:ext uri="{FF2B5EF4-FFF2-40B4-BE49-F238E27FC236}">
+                <a16:creationId xmlns:a16="http://schemas.microsoft.com/office/drawing/2014/main" id="{9C5509B0-90FC-422E-A842-020F58AAADB7}"/>
+              </a:ext>
+            </a:extLst>
+          </p:cNvPr>
+          <p:cNvPicPr>
+            <a:picLocks noChangeAspect="1"/>
+          </p:cNvPicPr>
+          <p:nvPr/>
+        </p:nvPicPr>
+        <p:blipFill>
+          <a:blip r:embed="rId7"/>
+          <a:stretch>
+            <a:fillRect/>
+          </a:stretch>
+        </p:blipFill>
+        <p:spPr>
+          <a:xfrm>
+            <a:off x="195203" y="6217876"/>
+            <a:ext cx="1285993" cy="549997"/>
+          </a:xfrm>
+          <a:prstGeom prst="rect">
+            <a:avLst/>
+          </a:prstGeom>
+        </p:spPr>
+      </p:pic>
+    </p:spTree>
+    <p:extLst>
+      <p:ext uri="{BB962C8B-B14F-4D97-AF65-F5344CB8AC3E}">
+        <p14:creationId xmlns:p14="http://schemas.microsoft.com/office/powerpoint/2010/main" val="1664499886"/>
+      </p:ext>
+    </p:extLst>
+  </p:cSld>
+  <p:clrMapOvr>
+    <a:masterClrMapping/>
+  </p:clrMapOvr>
+</p:sld>
+</file>
+
 <file path=ppt/slides/slide2.xml><?xml version="1.0" encoding="utf-8"?>
 <p:sld xmlns:a="http://schemas.openxmlformats.org/drawingml/2006/main" xmlns:r="http://schemas.openxmlformats.org/officeDocument/2006/relationships" xmlns:p="http://schemas.openxmlformats.org/presentationml/2006/main">
   <p:cSld>
@@ -5495,8 +5795,8 @@
         </p:nvSpPr>
         <p:spPr>
           <a:xfrm>
-            <a:off x="838200" y="365125"/>
-            <a:ext cx="10515600" cy="1325563"/>
+            <a:off x="838200" y="365126"/>
+            <a:ext cx="10515600" cy="1048896"/>
           </a:xfrm>
         </p:spPr>
         <p:txBody>
@@ -5525,12 +5825,50 @@
             <p:ph idx="1"/>
           </p:nvPr>
         </p:nvSpPr>
-        <p:spPr/>
+        <p:spPr>
+          <a:xfrm>
+            <a:off x="838200" y="1715678"/>
+            <a:ext cx="10515600" cy="4461285"/>
+          </a:xfrm>
+        </p:spPr>
         <p:txBody>
           <a:bodyPr/>
           <a:lstStyle/>
           <a:p>
-            <a:endParaRPr lang="en-US" dirty="0"/>
+            <a:r>
+              <a:rPr lang="en-US" dirty="0"/>
+              <a:t>List topic/introduction</a:t>
+            </a:r>
+          </a:p>
+          <a:p>
+            <a:r>
+              <a:rPr lang="en-US" dirty="0"/>
+              <a:t>Sources ; the API and Csv</a:t>
+            </a:r>
+          </a:p>
+          <a:p>
+            <a:r>
+              <a:rPr lang="en-US" dirty="0"/>
+              <a:t>Why we chose 2017</a:t>
+            </a:r>
+          </a:p>
+          <a:p>
+            <a:r>
+              <a:rPr lang="en-US" dirty="0"/>
+              <a:t>Why we chose Nitrogen Dioxide</a:t>
+            </a:r>
+          </a:p>
+          <a:p>
+            <a:r>
+              <a:rPr lang="en-US" dirty="0"/>
+              <a:t>What did we want to test?</a:t>
+            </a:r>
+          </a:p>
+          <a:p>
+            <a:r>
+              <a:rPr lang="en-US" dirty="0"/>
+              <a:t>Sample size -   csv file - 63,000 rows, 33 columns </a:t>
+            </a:r>
           </a:p>
         </p:txBody>
       </p:sp>
@@ -5599,7 +5937,7 @@
           <p:cNvPr id="2" name="Title 1">
             <a:extLst>
               <a:ext uri="{FF2B5EF4-FFF2-40B4-BE49-F238E27FC236}">
-                <a16:creationId xmlns:a16="http://schemas.microsoft.com/office/drawing/2014/main" id="{A07576BE-056D-40A3-B0EB-E8255B2D1600}"/>
+                <a16:creationId xmlns:a16="http://schemas.microsoft.com/office/drawing/2014/main" id="{304D9356-BF7A-467D-A263-5FDA6551E8E2}"/>
               </a:ext>
             </a:extLst>
           </p:cNvPr>
@@ -5617,7 +5955,7 @@
           <a:p>
             <a:r>
               <a:rPr lang="en-US" dirty="0"/>
-              <a:t>FINDINGS:</a:t>
+              <a:t>Why we chose NO2</a:t>
             </a:r>
           </a:p>
         </p:txBody>
@@ -5627,7 +5965,7 @@
           <p:cNvPr id="3" name="Content Placeholder 2">
             <a:extLst>
               <a:ext uri="{FF2B5EF4-FFF2-40B4-BE49-F238E27FC236}">
-                <a16:creationId xmlns:a16="http://schemas.microsoft.com/office/drawing/2014/main" id="{0406B954-EFCD-46F7-84D1-1870F926B338}"/>
+                <a16:creationId xmlns:a16="http://schemas.microsoft.com/office/drawing/2014/main" id="{42D84268-F9A4-4B8B-8654-DEEDA0D56C3D}"/>
               </a:ext>
             </a:extLst>
           </p:cNvPr>
@@ -5640,17 +5978,77 @@
         </p:nvSpPr>
         <p:spPr/>
         <p:txBody>
-          <a:bodyPr/>
+          <a:bodyPr>
+            <a:normAutofit/>
+          </a:bodyPr>
           <a:lstStyle/>
           <a:p>
-            <a:endParaRPr lang="en-US"/>
+            <a:r>
+              <a:rPr lang="en-US" sz="1600" dirty="0"/>
+              <a:t>The EPA has identified six pollutants as “criteria” air pollutants because it regulates them by developing human health-based and/or environmentally-based criteria (science-based guidelines) for setting permissible levels. These six pollutants are carbon monoxide, lead, nitrogen oxides, ground-level ozone, particle pollution (often referred to as particulate matter), and sulfur oxides.</a:t>
+            </a:r>
+          </a:p>
+          <a:p>
+            <a:r>
+              <a:rPr lang="en-US" sz="1600" dirty="0"/>
+              <a:t>Source: </a:t>
+            </a:r>
+            <a:r>
+              <a:rPr lang="en-US" sz="1600" dirty="0">
+                <a:hlinkClick r:id="rId2"/>
+              </a:rPr>
+              <a:t>https://www.cdc.gov/air/pollutants.htm</a:t>
+            </a:r>
+            <a:endParaRPr lang="en-US" sz="1600" dirty="0"/>
+          </a:p>
+          <a:p>
+            <a:endParaRPr lang="en-US" sz="1600" dirty="0"/>
+          </a:p>
+          <a:p>
+            <a:r>
+              <a:rPr lang="en-US" sz="1600" dirty="0"/>
+              <a:t>On our API, we had all parameters available for No2 among the 6 pollutants. We also tested </a:t>
+            </a:r>
+          </a:p>
+          <a:p>
+            <a:r>
+              <a:rPr lang="en-US" sz="1600" dirty="0"/>
+              <a:t>Effects of No2:</a:t>
+            </a:r>
+          </a:p>
+          <a:p>
+            <a:pPr lvl="1"/>
+            <a:r>
+              <a:rPr lang="en-US" sz="1400" dirty="0"/>
+              <a:t>Breathing air with a high concentration of NO</a:t>
+            </a:r>
+            <a:r>
+              <a:rPr lang="en-US" sz="1400" baseline="-25000" dirty="0"/>
+              <a:t>2</a:t>
+            </a:r>
+            <a:r>
+              <a:rPr lang="en-US" sz="1400" dirty="0"/>
+              <a:t> can irritate airways in the human respiratory system. Such exposures over short periods can aggravate respiratory diseases, particularly asthma, leading to respiratory symptoms (such as coughing, wheezing or difficulty breathing), hospital admissions and visits to emergency rooms. Longer exposures to elevated concentrations of NO</a:t>
+            </a:r>
+            <a:r>
+              <a:rPr lang="en-US" sz="1400" baseline="-25000" dirty="0"/>
+              <a:t>2</a:t>
+            </a:r>
+            <a:r>
+              <a:rPr lang="en-US" sz="1400" dirty="0"/>
+              <a:t> may contribute to the development of asthma and potentially increase susceptibility to respiratory infections.</a:t>
+            </a:r>
+          </a:p>
+          <a:p>
+            <a:pPr lvl="1"/>
+            <a:endParaRPr lang="en-US" sz="1400" dirty="0"/>
           </a:p>
         </p:txBody>
       </p:sp>
     </p:spTree>
     <p:extLst>
       <p:ext uri="{BB962C8B-B14F-4D97-AF65-F5344CB8AC3E}">
-        <p14:creationId xmlns:p14="http://schemas.microsoft.com/office/powerpoint/2010/main" val="2907052463"/>
+        <p14:creationId xmlns:p14="http://schemas.microsoft.com/office/powerpoint/2010/main" val="1706991906"/>
       </p:ext>
     </p:extLst>
   </p:cSld>
@@ -5682,7 +6080,7 @@
           <p:cNvPr id="2" name="Title 1">
             <a:extLst>
               <a:ext uri="{FF2B5EF4-FFF2-40B4-BE49-F238E27FC236}">
-                <a16:creationId xmlns:a16="http://schemas.microsoft.com/office/drawing/2014/main" id="{A4BBCD99-E03D-486F-98E6-8721F97350F7}"/>
+                <a16:creationId xmlns:a16="http://schemas.microsoft.com/office/drawing/2014/main" id="{517BBC73-8D81-4CB5-AFAC-A1DE4A7187F9}"/>
               </a:ext>
             </a:extLst>
           </p:cNvPr>
@@ -5693,7 +6091,12 @@
             <p:ph type="title"/>
           </p:nvPr>
         </p:nvSpPr>
-        <p:spPr/>
+        <p:spPr>
+          <a:xfrm>
+            <a:off x="838200" y="365125"/>
+            <a:ext cx="10304282" cy="756665"/>
+          </a:xfrm>
+        </p:spPr>
         <p:txBody>
           <a:bodyPr>
             <a:normAutofit/>
@@ -5702,7 +6105,7 @@
           <a:p>
             <a:r>
               <a:rPr lang="en-US" sz="3200" dirty="0"/>
-              <a:t>LIMITATIONS:</a:t>
+              <a:t>List the 9 questions</a:t>
             </a:r>
           </a:p>
         </p:txBody>
@@ -5712,7 +6115,7 @@
           <p:cNvPr id="3" name="Content Placeholder 2">
             <a:extLst>
               <a:ext uri="{FF2B5EF4-FFF2-40B4-BE49-F238E27FC236}">
-                <a16:creationId xmlns:a16="http://schemas.microsoft.com/office/drawing/2014/main" id="{3286737E-99B2-449E-8A55-3891E10ADFEC}"/>
+                <a16:creationId xmlns:a16="http://schemas.microsoft.com/office/drawing/2014/main" id="{FA4834CB-4CE8-42D5-BD6C-03653270C83A}"/>
               </a:ext>
             </a:extLst>
           </p:cNvPr>
@@ -5723,51 +6126,83 @@
             <p:ph idx="1"/>
           </p:nvPr>
         </p:nvSpPr>
-        <p:spPr/>
+        <p:spPr>
+          <a:xfrm>
+            <a:off x="838200" y="1583703"/>
+            <a:ext cx="10515600" cy="4593260"/>
+          </a:xfrm>
+        </p:spPr>
         <p:txBody>
           <a:bodyPr>
             <a:normAutofit/>
           </a:bodyPr>
           <a:lstStyle/>
           <a:p>
+            <a:r>
+              <a:rPr lang="en-US" sz="1400" dirty="0"/>
+              <a:t>Percent of adults aged 18 years and older who have an overweight classification</a:t>
+            </a:r>
+          </a:p>
+          <a:p>
+            <a:r>
+              <a:rPr lang="en-US" sz="1400" dirty="0"/>
+              <a:t>Percent of adults aged 18 years and older who have obesity</a:t>
+            </a:r>
+          </a:p>
+          <a:p>
+            <a:r>
+              <a:rPr lang="en-US" sz="1400" dirty="0"/>
+              <a:t>Percent of adults who achieve at least 150 minutes a week of moderate-intensity aerobic physical activity or 75 minutes a week of vigorous-intensity aerobic activity (or an equivalent combination)</a:t>
+            </a:r>
+          </a:p>
+          <a:p>
+            <a:r>
+              <a:rPr lang="en-US" sz="1400" dirty="0"/>
+              <a:t>Percent of adults who achieve at least 150 minutes a week of moderate-intensity aerobic physical activity or 75 minutes a week of vigorous-intensity aerobic physical activity and engage in muscle-strengthening activities on 2 or more days a week</a:t>
+            </a:r>
+          </a:p>
+          <a:p>
+            <a:r>
+              <a:rPr lang="en-US" sz="1400" dirty="0"/>
+              <a:t>Percent of adults who achieve at least 300 minutes a week of moderate-intensity aerobic physical activity or 150 minutes a week of vigorous-intensity aerobic activity (or an equivalent combination)</a:t>
+            </a:r>
+          </a:p>
+          <a:p>
+            <a:r>
+              <a:rPr lang="en-US" sz="1400" dirty="0"/>
+              <a:t>Percent of adults who engage in muscle-strengthening activities on 2 or more days a week</a:t>
+            </a:r>
+          </a:p>
+          <a:p>
+            <a:r>
+              <a:rPr lang="en-US" sz="1400" dirty="0"/>
+              <a:t>Percent of adults who engage in no leisure-time physical activity</a:t>
+            </a:r>
+          </a:p>
+          <a:p>
+            <a:r>
+              <a:rPr lang="en-US" sz="1400" dirty="0"/>
+              <a:t>Percent of adults who report consuming fruit less than one time daily</a:t>
+            </a:r>
+          </a:p>
+          <a:p>
+            <a:r>
+              <a:rPr lang="en-US" sz="1400" dirty="0"/>
+              <a:t>Percent of adults who report consuming vegetables less than one time daily</a:t>
+            </a:r>
+          </a:p>
+          <a:p>
             <a:endParaRPr lang="en-US" sz="2000" dirty="0"/>
           </a:p>
-        </p:txBody>
-      </p:sp>
-      <p:pic>
-        <p:nvPicPr>
-          <p:cNvPr id="4" name="Picture 3">
-            <a:extLst>
-              <a:ext uri="{FF2B5EF4-FFF2-40B4-BE49-F238E27FC236}">
-                <a16:creationId xmlns:a16="http://schemas.microsoft.com/office/drawing/2014/main" id="{FF0B8FE0-9F84-4D80-92FC-A933CEB8796C}"/>
-              </a:ext>
-            </a:extLst>
-          </p:cNvPr>
-          <p:cNvPicPr>
-            <a:picLocks noChangeAspect="1"/>
-          </p:cNvPicPr>
-          <p:nvPr/>
-        </p:nvPicPr>
-        <p:blipFill>
-          <a:blip r:embed="rId2"/>
-          <a:stretch>
-            <a:fillRect/>
-          </a:stretch>
-        </p:blipFill>
-        <p:spPr>
-          <a:xfrm>
-            <a:off x="262804" y="6428076"/>
-            <a:ext cx="1005240" cy="429924"/>
-          </a:xfrm>
-          <a:prstGeom prst="rect">
-            <a:avLst/>
-          </a:prstGeom>
-        </p:spPr>
-      </p:pic>
+          <a:p>
+            <a:endParaRPr lang="en-US" sz="2000" dirty="0"/>
+          </a:p>
+        </p:txBody>
+      </p:sp>
     </p:spTree>
     <p:extLst>
       <p:ext uri="{BB962C8B-B14F-4D97-AF65-F5344CB8AC3E}">
-        <p14:creationId xmlns:p14="http://schemas.microsoft.com/office/powerpoint/2010/main" val="2793196237"/>
+        <p14:creationId xmlns:p14="http://schemas.microsoft.com/office/powerpoint/2010/main" val="653590907"/>
       </p:ext>
     </p:extLst>
   </p:cSld>
@@ -5799,7 +6234,7 @@
           <p:cNvPr id="2" name="Title 1">
             <a:extLst>
               <a:ext uri="{FF2B5EF4-FFF2-40B4-BE49-F238E27FC236}">
-                <a16:creationId xmlns:a16="http://schemas.microsoft.com/office/drawing/2014/main" id="{3EF1EA6A-9A7C-4B37-8B6B-801A5AC05EB0}"/>
+                <a16:creationId xmlns:a16="http://schemas.microsoft.com/office/drawing/2014/main" id="{27B26297-F62F-498E-878C-6F687606EFD2}"/>
               </a:ext>
             </a:extLst>
           </p:cNvPr>
@@ -5815,35 +6250,456 @@
           <a:bodyPr/>
           <a:lstStyle/>
           <a:p>
+            <a:endParaRPr lang="en-US" dirty="0"/>
+          </a:p>
+        </p:txBody>
+      </p:sp>
+      <p:sp>
+        <p:nvSpPr>
+          <p:cNvPr id="3" name="Content Placeholder 2">
+            <a:extLst>
+              <a:ext uri="{FF2B5EF4-FFF2-40B4-BE49-F238E27FC236}">
+                <a16:creationId xmlns:a16="http://schemas.microsoft.com/office/drawing/2014/main" id="{1BE8FAF4-B2A0-4AEF-AB4D-3C5026E4C0E5}"/>
+              </a:ext>
+            </a:extLst>
+          </p:cNvPr>
+          <p:cNvSpPr>
+            <a:spLocks noGrp="1"/>
+          </p:cNvSpPr>
+          <p:nvPr>
+            <p:ph idx="1"/>
+          </p:nvPr>
+        </p:nvSpPr>
+        <p:spPr/>
+        <p:txBody>
+          <a:bodyPr/>
+          <a:lstStyle/>
+          <a:p>
             <a:r>
               <a:rPr lang="en-US" dirty="0"/>
-              <a:t>REFERENCES</a:t>
-            </a:r>
-          </a:p>
-        </p:txBody>
-      </p:sp>
-      <p:sp>
-        <p:nvSpPr>
-          <p:cNvPr id="3" name="Content Placeholder 2">
-            <a:extLst>
-              <a:ext uri="{FF2B5EF4-FFF2-40B4-BE49-F238E27FC236}">
-                <a16:creationId xmlns:a16="http://schemas.microsoft.com/office/drawing/2014/main" id="{BC1C5028-2BC4-42D5-989C-5DAA5DF5E7FC}"/>
-              </a:ext>
-            </a:extLst>
-          </p:cNvPr>
-          <p:cNvSpPr>
-            <a:spLocks noGrp="1"/>
-          </p:cNvSpPr>
-          <p:nvPr>
-            <p:ph idx="1"/>
+              <a:t>We can talk about how we spilt the 3 Q’s and what analysis each of us performed with the 3 questions </a:t>
+            </a:r>
+          </a:p>
+        </p:txBody>
+      </p:sp>
+    </p:spTree>
+    <p:extLst>
+      <p:ext uri="{BB962C8B-B14F-4D97-AF65-F5344CB8AC3E}">
+        <p14:creationId xmlns:p14="http://schemas.microsoft.com/office/powerpoint/2010/main" val="292608270"/>
+      </p:ext>
+    </p:extLst>
+  </p:cSld>
+  <p:clrMapOvr>
+    <a:masterClrMapping/>
+  </p:clrMapOvr>
+</p:sld>
+</file>
+
+<file path=ppt/slides/slide6.xml><?xml version="1.0" encoding="utf-8"?>
+<p:sld xmlns:a="http://schemas.openxmlformats.org/drawingml/2006/main" xmlns:r="http://schemas.openxmlformats.org/officeDocument/2006/relationships" xmlns:p="http://schemas.openxmlformats.org/presentationml/2006/main">
+  <p:cSld>
+    <p:spTree>
+      <p:nvGrpSpPr>
+        <p:cNvPr id="1" name=""/>
+        <p:cNvGrpSpPr/>
+        <p:nvPr/>
+      </p:nvGrpSpPr>
+      <p:grpSpPr>
+        <a:xfrm>
+          <a:off x="0" y="0"/>
+          <a:ext cx="0" cy="0"/>
+          <a:chOff x="0" y="0"/>
+          <a:chExt cx="0" cy="0"/>
+        </a:xfrm>
+      </p:grpSpPr>
+      <p:sp>
+        <p:nvSpPr>
+          <p:cNvPr id="2" name="Title 1">
+            <a:extLst>
+              <a:ext uri="{FF2B5EF4-FFF2-40B4-BE49-F238E27FC236}">
+                <a16:creationId xmlns:a16="http://schemas.microsoft.com/office/drawing/2014/main" id="{7805D476-5860-4EFD-B73B-C66E13FFFEFC}"/>
+              </a:ext>
+            </a:extLst>
+          </p:cNvPr>
+          <p:cNvSpPr>
+            <a:spLocks noGrp="1"/>
+          </p:cNvSpPr>
+          <p:nvPr>
+            <p:ph type="title"/>
           </p:nvPr>
         </p:nvSpPr>
         <p:spPr>
           <a:xfrm>
-            <a:off x="838200" y="1470581"/>
-            <a:ext cx="10515600" cy="4706382"/>
+            <a:off x="838200" y="365125"/>
+            <a:ext cx="10515600" cy="739775"/>
           </a:xfrm>
         </p:spPr>
+        <p:txBody>
+          <a:bodyPr>
+            <a:normAutofit fontScale="90000"/>
+          </a:bodyPr>
+          <a:lstStyle/>
+          <a:p>
+            <a:r>
+              <a:rPr lang="en-US" sz="2800" dirty="0" err="1"/>
+              <a:t>Source:</a:t>
+            </a:r>
+            <a:r>
+              <a:rPr lang="en-US" sz="2800" dirty="0" err="1">
+                <a:hlinkClick r:id="rId2"/>
+              </a:rPr>
+              <a:t>https</a:t>
+            </a:r>
+            <a:r>
+              <a:rPr lang="en-US" sz="2800" dirty="0">
+                <a:hlinkClick r:id="rId2"/>
+              </a:rPr>
+              <a:t>://stateofchildhoodobesity.org/adult-obesity/</a:t>
+            </a:r>
+            <a:br>
+              <a:rPr lang="en-US" sz="2800" dirty="0"/>
+            </a:br>
+            <a:r>
+              <a:rPr lang="en-US" sz="2800" dirty="0"/>
+              <a:t>This data is for 2017</a:t>
+            </a:r>
+          </a:p>
+        </p:txBody>
+      </p:sp>
+      <p:pic>
+        <p:nvPicPr>
+          <p:cNvPr id="5" name="Content Placeholder 4">
+            <a:extLst>
+              <a:ext uri="{FF2B5EF4-FFF2-40B4-BE49-F238E27FC236}">
+                <a16:creationId xmlns:a16="http://schemas.microsoft.com/office/drawing/2014/main" id="{E4AF5551-D8EC-4B51-A73A-8B900B5855B6}"/>
+              </a:ext>
+            </a:extLst>
+          </p:cNvPr>
+          <p:cNvPicPr>
+            <a:picLocks noGrp="1" noChangeAspect="1"/>
+          </p:cNvPicPr>
+          <p:nvPr>
+            <p:ph sz="half" idx="1"/>
+          </p:nvPr>
+        </p:nvPicPr>
+        <p:blipFill>
+          <a:blip r:embed="rId3"/>
+          <a:stretch>
+            <a:fillRect/>
+          </a:stretch>
+        </p:blipFill>
+        <p:spPr>
+          <a:xfrm>
+            <a:off x="229362" y="1385297"/>
+            <a:ext cx="5398440" cy="5321320"/>
+          </a:xfrm>
+          <a:prstGeom prst="rect">
+            <a:avLst/>
+          </a:prstGeom>
+        </p:spPr>
+      </p:pic>
+      <p:sp>
+        <p:nvSpPr>
+          <p:cNvPr id="4" name="Content Placeholder 3">
+            <a:extLst>
+              <a:ext uri="{FF2B5EF4-FFF2-40B4-BE49-F238E27FC236}">
+                <a16:creationId xmlns:a16="http://schemas.microsoft.com/office/drawing/2014/main" id="{798C86FF-AF82-4FD6-9081-039F9387C74F}"/>
+              </a:ext>
+            </a:extLst>
+          </p:cNvPr>
+          <p:cNvSpPr>
+            <a:spLocks noGrp="1"/>
+          </p:cNvSpPr>
+          <p:nvPr>
+            <p:ph sz="half" idx="2"/>
+          </p:nvPr>
+        </p:nvSpPr>
+        <p:spPr>
+          <a:xfrm>
+            <a:off x="6095999" y="1508288"/>
+            <a:ext cx="5398439" cy="5081047"/>
+          </a:xfrm>
+        </p:spPr>
+        <p:txBody>
+          <a:bodyPr/>
+          <a:lstStyle/>
+          <a:p>
+            <a:endParaRPr lang="en-US" dirty="0"/>
+          </a:p>
+        </p:txBody>
+      </p:sp>
+    </p:spTree>
+    <p:extLst>
+      <p:ext uri="{BB962C8B-B14F-4D97-AF65-F5344CB8AC3E}">
+        <p14:creationId xmlns:p14="http://schemas.microsoft.com/office/powerpoint/2010/main" val="2814965112"/>
+      </p:ext>
+    </p:extLst>
+  </p:cSld>
+  <p:clrMapOvr>
+    <a:masterClrMapping/>
+  </p:clrMapOvr>
+</p:sld>
+</file>
+
+<file path=ppt/slides/slide7.xml><?xml version="1.0" encoding="utf-8"?>
+<p:sld xmlns:a="http://schemas.openxmlformats.org/drawingml/2006/main" xmlns:r="http://schemas.openxmlformats.org/officeDocument/2006/relationships" xmlns:p="http://schemas.openxmlformats.org/presentationml/2006/main">
+  <p:cSld>
+    <p:spTree>
+      <p:nvGrpSpPr>
+        <p:cNvPr id="1" name=""/>
+        <p:cNvGrpSpPr/>
+        <p:nvPr/>
+      </p:nvGrpSpPr>
+      <p:grpSpPr>
+        <a:xfrm>
+          <a:off x="0" y="0"/>
+          <a:ext cx="0" cy="0"/>
+          <a:chOff x="0" y="0"/>
+          <a:chExt cx="0" cy="0"/>
+        </a:xfrm>
+      </p:grpSpPr>
+      <p:sp>
+        <p:nvSpPr>
+          <p:cNvPr id="2" name="Title 1">
+            <a:extLst>
+              <a:ext uri="{FF2B5EF4-FFF2-40B4-BE49-F238E27FC236}">
+                <a16:creationId xmlns:a16="http://schemas.microsoft.com/office/drawing/2014/main" id="{B2BCA4E6-9D47-4076-A04B-2126C42A1D7E}"/>
+              </a:ext>
+            </a:extLst>
+          </p:cNvPr>
+          <p:cNvSpPr>
+            <a:spLocks noGrp="1"/>
+          </p:cNvSpPr>
+          <p:nvPr>
+            <p:ph type="title"/>
+          </p:nvPr>
+        </p:nvSpPr>
+        <p:spPr>
+          <a:xfrm>
+            <a:off x="838200" y="365126"/>
+            <a:ext cx="10515600" cy="730250"/>
+          </a:xfrm>
+        </p:spPr>
+        <p:txBody>
+          <a:bodyPr/>
+          <a:lstStyle/>
+          <a:p>
+            <a:r>
+              <a:rPr lang="en-US" dirty="0"/>
+              <a:t>BMI CHART </a:t>
+            </a:r>
+          </a:p>
+        </p:txBody>
+      </p:sp>
+      <p:pic>
+        <p:nvPicPr>
+          <p:cNvPr id="4" name="Content Placeholder 3">
+            <a:extLst>
+              <a:ext uri="{FF2B5EF4-FFF2-40B4-BE49-F238E27FC236}">
+                <a16:creationId xmlns:a16="http://schemas.microsoft.com/office/drawing/2014/main" id="{8CB81E62-FB12-431C-8DE7-46CC073EBC0F}"/>
+              </a:ext>
+            </a:extLst>
+          </p:cNvPr>
+          <p:cNvPicPr>
+            <a:picLocks noGrp="1" noChangeAspect="1"/>
+          </p:cNvPicPr>
+          <p:nvPr>
+            <p:ph idx="1"/>
+          </p:nvPr>
+        </p:nvPicPr>
+        <p:blipFill>
+          <a:blip r:embed="rId2"/>
+          <a:stretch>
+            <a:fillRect/>
+          </a:stretch>
+        </p:blipFill>
+        <p:spPr>
+          <a:xfrm>
+            <a:off x="838200" y="1520031"/>
+            <a:ext cx="9582150" cy="4105275"/>
+          </a:xfrm>
+          <a:prstGeom prst="rect">
+            <a:avLst/>
+          </a:prstGeom>
+        </p:spPr>
+      </p:pic>
+      <p:sp>
+        <p:nvSpPr>
+          <p:cNvPr id="5" name="TextBox 4">
+            <a:extLst>
+              <a:ext uri="{FF2B5EF4-FFF2-40B4-BE49-F238E27FC236}">
+                <a16:creationId xmlns:a16="http://schemas.microsoft.com/office/drawing/2014/main" id="{ED9EB8E7-9BAD-4045-90A9-4AA07AC9FCBD}"/>
+              </a:ext>
+            </a:extLst>
+          </p:cNvPr>
+          <p:cNvSpPr txBox="1"/>
+          <p:nvPr/>
+        </p:nvSpPr>
+        <p:spPr>
+          <a:xfrm>
+            <a:off x="981075" y="5991225"/>
+            <a:ext cx="9734550" cy="646331"/>
+          </a:xfrm>
+          <a:prstGeom prst="rect">
+            <a:avLst/>
+          </a:prstGeom>
+          <a:noFill/>
+        </p:spPr>
+        <p:txBody>
+          <a:bodyPr wrap="square" rtlCol="0">
+            <a:spAutoFit/>
+          </a:bodyPr>
+          <a:lstStyle/>
+          <a:p>
+            <a:r>
+              <a:rPr lang="en-US" dirty="0">
+                <a:hlinkClick r:id="rId3"/>
+              </a:rPr>
+              <a:t>https://www.cdc.gov/healthyweight/assessing/bmi/adult_bmi/index.html#InterpretedAdults</a:t>
+            </a:r>
+            <a:endParaRPr lang="en-US" dirty="0"/>
+          </a:p>
+          <a:p>
+            <a:r>
+              <a:rPr lang="en-US" dirty="0">
+                <a:hlinkClick r:id="rId4"/>
+              </a:rPr>
+              <a:t>https://stateofchildhoodobesity.org/methodology/</a:t>
+            </a:r>
+            <a:endParaRPr lang="en-US" dirty="0"/>
+          </a:p>
+        </p:txBody>
+      </p:sp>
+    </p:spTree>
+    <p:extLst>
+      <p:ext uri="{BB962C8B-B14F-4D97-AF65-F5344CB8AC3E}">
+        <p14:creationId xmlns:p14="http://schemas.microsoft.com/office/powerpoint/2010/main" val="3247394370"/>
+      </p:ext>
+    </p:extLst>
+  </p:cSld>
+  <p:clrMapOvr>
+    <a:masterClrMapping/>
+  </p:clrMapOvr>
+</p:sld>
+</file>
+
+<file path=ppt/slides/slide8.xml><?xml version="1.0" encoding="utf-8"?>
+<p:sld xmlns:a="http://schemas.openxmlformats.org/drawingml/2006/main" xmlns:r="http://schemas.openxmlformats.org/officeDocument/2006/relationships" xmlns:p="http://schemas.openxmlformats.org/presentationml/2006/main">
+  <p:cSld>
+    <p:spTree>
+      <p:nvGrpSpPr>
+        <p:cNvPr id="1" name=""/>
+        <p:cNvGrpSpPr/>
+        <p:nvPr/>
+      </p:nvGrpSpPr>
+      <p:grpSpPr>
+        <a:xfrm>
+          <a:off x="0" y="0"/>
+          <a:ext cx="0" cy="0"/>
+          <a:chOff x="0" y="0"/>
+          <a:chExt cx="0" cy="0"/>
+        </a:xfrm>
+      </p:grpSpPr>
+      <p:sp>
+        <p:nvSpPr>
+          <p:cNvPr id="2" name="Title 1">
+            <a:extLst>
+              <a:ext uri="{FF2B5EF4-FFF2-40B4-BE49-F238E27FC236}">
+                <a16:creationId xmlns:a16="http://schemas.microsoft.com/office/drawing/2014/main" id="{A07576BE-056D-40A3-B0EB-E8255B2D1600}"/>
+              </a:ext>
+            </a:extLst>
+          </p:cNvPr>
+          <p:cNvSpPr>
+            <a:spLocks noGrp="1"/>
+          </p:cNvSpPr>
+          <p:nvPr>
+            <p:ph type="title"/>
+          </p:nvPr>
+        </p:nvSpPr>
+        <p:spPr/>
+        <p:txBody>
+          <a:bodyPr/>
+          <a:lstStyle/>
+          <a:p>
+            <a:r>
+              <a:rPr lang="en-US" dirty="0"/>
+              <a:t>FINDINGS:</a:t>
+            </a:r>
+          </a:p>
+        </p:txBody>
+      </p:sp>
+      <p:sp>
+        <p:nvSpPr>
+          <p:cNvPr id="3" name="Content Placeholder 2">
+            <a:extLst>
+              <a:ext uri="{FF2B5EF4-FFF2-40B4-BE49-F238E27FC236}">
+                <a16:creationId xmlns:a16="http://schemas.microsoft.com/office/drawing/2014/main" id="{0406B954-EFCD-46F7-84D1-1870F926B338}"/>
+              </a:ext>
+            </a:extLst>
+          </p:cNvPr>
+          <p:cNvSpPr>
+            <a:spLocks noGrp="1"/>
+          </p:cNvSpPr>
+          <p:nvPr>
+            <p:ph idx="1"/>
+          </p:nvPr>
+        </p:nvSpPr>
+        <p:spPr/>
+        <p:txBody>
+          <a:bodyPr/>
+          <a:lstStyle/>
+          <a:p>
+            <a:endParaRPr lang="en-US"/>
+          </a:p>
+        </p:txBody>
+      </p:sp>
+    </p:spTree>
+    <p:extLst>
+      <p:ext uri="{BB962C8B-B14F-4D97-AF65-F5344CB8AC3E}">
+        <p14:creationId xmlns:p14="http://schemas.microsoft.com/office/powerpoint/2010/main" val="2907052463"/>
+      </p:ext>
+    </p:extLst>
+  </p:cSld>
+  <p:clrMapOvr>
+    <a:masterClrMapping/>
+  </p:clrMapOvr>
+</p:sld>
+</file>
+
+<file path=ppt/slides/slide9.xml><?xml version="1.0" encoding="utf-8"?>
+<p:sld xmlns:a="http://schemas.openxmlformats.org/drawingml/2006/main" xmlns:r="http://schemas.openxmlformats.org/officeDocument/2006/relationships" xmlns:p="http://schemas.openxmlformats.org/presentationml/2006/main">
+  <p:cSld>
+    <p:spTree>
+      <p:nvGrpSpPr>
+        <p:cNvPr id="1" name=""/>
+        <p:cNvGrpSpPr/>
+        <p:nvPr/>
+      </p:nvGrpSpPr>
+      <p:grpSpPr>
+        <a:xfrm>
+          <a:off x="0" y="0"/>
+          <a:ext cx="0" cy="0"/>
+          <a:chOff x="0" y="0"/>
+          <a:chExt cx="0" cy="0"/>
+        </a:xfrm>
+      </p:grpSpPr>
+      <p:sp>
+        <p:nvSpPr>
+          <p:cNvPr id="2" name="Title 1">
+            <a:extLst>
+              <a:ext uri="{FF2B5EF4-FFF2-40B4-BE49-F238E27FC236}">
+                <a16:creationId xmlns:a16="http://schemas.microsoft.com/office/drawing/2014/main" id="{A4BBCD99-E03D-486F-98E6-8721F97350F7}"/>
+              </a:ext>
+            </a:extLst>
+          </p:cNvPr>
+          <p:cNvSpPr>
+            <a:spLocks noGrp="1"/>
+          </p:cNvSpPr>
+          <p:nvPr>
+            <p:ph type="title"/>
+          </p:nvPr>
+        </p:nvSpPr>
+        <p:spPr/>
         <p:txBody>
           <a:bodyPr>
             <a:normAutofit/>
@@ -5851,70 +6707,41 @@
           <a:lstStyle/>
           <a:p>
             <a:r>
-              <a:rPr lang="en-US" sz="2000" dirty="0"/>
-              <a:t>API’s used:</a:t>
-            </a:r>
-          </a:p>
-          <a:p>
-            <a:pPr lvl="1"/>
-            <a:r>
-              <a:rPr lang="en-US" sz="1600" dirty="0">
-                <a:hlinkClick r:id="rId2"/>
-              </a:rPr>
-              <a:t>https://dev.socrata.com/foundry/chronicdata.cdc.gov/hn4x-zwk7</a:t>
-            </a:r>
-            <a:endParaRPr lang="en-US" sz="1600" dirty="0"/>
-          </a:p>
-          <a:p>
-            <a:pPr lvl="1"/>
-            <a:r>
-              <a:rPr lang="en-US" sz="1600" dirty="0">
-                <a:hlinkClick r:id="rId3"/>
-              </a:rPr>
-              <a:t>https://aqs.epa.gov/data/api/annualData/byState?</a:t>
-            </a:r>
-            <a:endParaRPr lang="en-US" sz="1600" dirty="0"/>
-          </a:p>
-          <a:p>
-            <a:pPr marL="457200" lvl="1" indent="0">
-              <a:buNone/>
-            </a:pPr>
-            <a:endParaRPr lang="en-US" sz="1600" dirty="0"/>
-          </a:p>
-          <a:p>
-            <a:pPr lvl="1"/>
-            <a:r>
-              <a:rPr lang="en-US" sz="1600" dirty="0">
-                <a:hlinkClick r:id="rId4"/>
-              </a:rPr>
-              <a:t>https://aqs.epa.gov/aqsweb/airdata/FileFormats.html</a:t>
-            </a:r>
-            <a:endParaRPr lang="en-US" sz="1600" dirty="0"/>
-          </a:p>
-          <a:p>
-            <a:pPr marL="457200" lvl="1" indent="0">
-              <a:buNone/>
-            </a:pPr>
-            <a:endParaRPr lang="en-US" sz="1600" dirty="0"/>
-          </a:p>
-          <a:p>
-            <a:pPr marL="457200" lvl="1" indent="0">
-              <a:buNone/>
-            </a:pPr>
-            <a:r>
-              <a:rPr lang="en-US" sz="1600" dirty="0"/>
-              <a:t>CSV File:</a:t>
-            </a:r>
-          </a:p>
-          <a:p>
-            <a:pPr marL="457200" lvl="1" indent="0">
-              <a:buNone/>
-            </a:pPr>
-            <a:endParaRPr lang="en-US" sz="1600" dirty="0"/>
-          </a:p>
-          <a:p>
-            <a:pPr lvl="1"/>
-            <a:endParaRPr lang="en-US" sz="1600" dirty="0"/>
+              <a:rPr lang="en-US" sz="3200" dirty="0"/>
+              <a:t>LIMITATIONS:</a:t>
+            </a:r>
+          </a:p>
+        </p:txBody>
+      </p:sp>
+      <p:sp>
+        <p:nvSpPr>
+          <p:cNvPr id="3" name="Content Placeholder 2">
+            <a:extLst>
+              <a:ext uri="{FF2B5EF4-FFF2-40B4-BE49-F238E27FC236}">
+                <a16:creationId xmlns:a16="http://schemas.microsoft.com/office/drawing/2014/main" id="{3286737E-99B2-449E-8A55-3891E10ADFEC}"/>
+              </a:ext>
+            </a:extLst>
+          </p:cNvPr>
+          <p:cNvSpPr>
+            <a:spLocks noGrp="1"/>
+          </p:cNvSpPr>
+          <p:nvPr>
+            <p:ph idx="1"/>
+          </p:nvPr>
+        </p:nvSpPr>
+        <p:spPr>
+          <a:xfrm>
+            <a:off x="666750" y="1690688"/>
+            <a:ext cx="10515600" cy="4351338"/>
+          </a:xfrm>
+        </p:spPr>
+        <p:txBody>
+          <a:bodyPr>
+            <a:normAutofit/>
+          </a:bodyPr>
+          <a:lstStyle/>
+          <a:p>
+            <a:endParaRPr lang="en-US" sz="2000" dirty="0"/>
           </a:p>
         </p:txBody>
       </p:sp>
@@ -5923,7 +6750,7 @@
           <p:cNvPr id="4" name="Picture 3">
             <a:extLst>
               <a:ext uri="{FF2B5EF4-FFF2-40B4-BE49-F238E27FC236}">
-                <a16:creationId xmlns:a16="http://schemas.microsoft.com/office/drawing/2014/main" id="{9C5509B0-90FC-422E-A842-020F58AAADB7}"/>
+                <a16:creationId xmlns:a16="http://schemas.microsoft.com/office/drawing/2014/main" id="{FF0B8FE0-9F84-4D80-92FC-A933CEB8796C}"/>
               </a:ext>
             </a:extLst>
           </p:cNvPr>
@@ -5933,15 +6760,15 @@
           <p:nvPr/>
         </p:nvPicPr>
         <p:blipFill>
-          <a:blip r:embed="rId5"/>
+          <a:blip r:embed="rId2"/>
           <a:stretch>
             <a:fillRect/>
           </a:stretch>
         </p:blipFill>
         <p:spPr>
           <a:xfrm>
-            <a:off x="195203" y="6217876"/>
-            <a:ext cx="1285993" cy="549997"/>
+            <a:off x="262804" y="6428076"/>
+            <a:ext cx="1005240" cy="429924"/>
           </a:xfrm>
           <a:prstGeom prst="rect">
             <a:avLst/>
@@ -5951,7 +6778,7 @@
     </p:spTree>
     <p:extLst>
       <p:ext uri="{BB962C8B-B14F-4D97-AF65-F5344CB8AC3E}">
-        <p14:creationId xmlns:p14="http://schemas.microsoft.com/office/powerpoint/2010/main" val="1664499886"/>
+        <p14:creationId xmlns:p14="http://schemas.microsoft.com/office/powerpoint/2010/main" val="2793196237"/>
       </p:ext>
     </p:extLst>
   </p:cSld>

--- a/Project - Power Point.pptx
+++ b/Project - Power Point.pptx
@@ -207,7 +207,7 @@
           <a:p>
             <a:fld id="{9962AB95-C3F2-408C-82AD-98F0E5BBC261}" type="datetimeFigureOut">
               <a:rPr lang="en-US" smtClean="0"/>
-              <a:t>4/29/2020</a:t>
+              <a:t>5/1/2020</a:t>
             </a:fld>
             <a:endParaRPr lang="en-US"/>
           </a:p>
@@ -621,7 +621,7 @@
           <a:p>
             <a:fld id="{59E4852F-AA52-4D36-99F0-0C623AEDDEB6}" type="datetimeFigureOut">
               <a:rPr lang="en-US" smtClean="0"/>
-              <a:t>4/29/2020</a:t>
+              <a:t>5/1/2020</a:t>
             </a:fld>
             <a:endParaRPr lang="en-US"/>
           </a:p>
@@ -819,7 +819,7 @@
           <a:p>
             <a:fld id="{59E4852F-AA52-4D36-99F0-0C623AEDDEB6}" type="datetimeFigureOut">
               <a:rPr lang="en-US" smtClean="0"/>
-              <a:t>4/29/2020</a:t>
+              <a:t>5/1/2020</a:t>
             </a:fld>
             <a:endParaRPr lang="en-US"/>
           </a:p>
@@ -1027,7 +1027,7 @@
           <a:p>
             <a:fld id="{59E4852F-AA52-4D36-99F0-0C623AEDDEB6}" type="datetimeFigureOut">
               <a:rPr lang="en-US" smtClean="0"/>
-              <a:t>4/29/2020</a:t>
+              <a:t>5/1/2020</a:t>
             </a:fld>
             <a:endParaRPr lang="en-US"/>
           </a:p>
@@ -1225,7 +1225,7 @@
           <a:p>
             <a:fld id="{59E4852F-AA52-4D36-99F0-0C623AEDDEB6}" type="datetimeFigureOut">
               <a:rPr lang="en-US" smtClean="0"/>
-              <a:t>4/29/2020</a:t>
+              <a:t>5/1/2020</a:t>
             </a:fld>
             <a:endParaRPr lang="en-US"/>
           </a:p>
@@ -1475,7 +1475,7 @@
           <a:p>
             <a:fld id="{59E4852F-AA52-4D36-99F0-0C623AEDDEB6}" type="datetimeFigureOut">
               <a:rPr lang="en-US" smtClean="0"/>
-              <a:t>4/29/2020</a:t>
+              <a:t>5/1/2020</a:t>
             </a:fld>
             <a:endParaRPr lang="en-US"/>
           </a:p>
@@ -1740,7 +1740,7 @@
           <a:p>
             <a:fld id="{59E4852F-AA52-4D36-99F0-0C623AEDDEB6}" type="datetimeFigureOut">
               <a:rPr lang="en-US" smtClean="0"/>
-              <a:t>4/29/2020</a:t>
+              <a:t>5/1/2020</a:t>
             </a:fld>
             <a:endParaRPr lang="en-US"/>
           </a:p>
@@ -2152,7 +2152,7 @@
           <a:p>
             <a:fld id="{59E4852F-AA52-4D36-99F0-0C623AEDDEB6}" type="datetimeFigureOut">
               <a:rPr lang="en-US" smtClean="0"/>
-              <a:t>4/29/2020</a:t>
+              <a:t>5/1/2020</a:t>
             </a:fld>
             <a:endParaRPr lang="en-US"/>
           </a:p>
@@ -2293,7 +2293,7 @@
           <a:p>
             <a:fld id="{59E4852F-AA52-4D36-99F0-0C623AEDDEB6}" type="datetimeFigureOut">
               <a:rPr lang="en-US" smtClean="0"/>
-              <a:t>4/29/2020</a:t>
+              <a:t>5/1/2020</a:t>
             </a:fld>
             <a:endParaRPr lang="en-US"/>
           </a:p>
@@ -2406,7 +2406,7 @@
           <a:p>
             <a:fld id="{59E4852F-AA52-4D36-99F0-0C623AEDDEB6}" type="datetimeFigureOut">
               <a:rPr lang="en-US" smtClean="0"/>
-              <a:t>4/29/2020</a:t>
+              <a:t>5/1/2020</a:t>
             </a:fld>
             <a:endParaRPr lang="en-US"/>
           </a:p>
@@ -2717,7 +2717,7 @@
           <a:p>
             <a:fld id="{59E4852F-AA52-4D36-99F0-0C623AEDDEB6}" type="datetimeFigureOut">
               <a:rPr lang="en-US" smtClean="0"/>
-              <a:t>4/29/2020</a:t>
+              <a:t>5/1/2020</a:t>
             </a:fld>
             <a:endParaRPr lang="en-US"/>
           </a:p>
@@ -3005,7 +3005,7 @@
           <a:p>
             <a:fld id="{59E4852F-AA52-4D36-99F0-0C623AEDDEB6}" type="datetimeFigureOut">
               <a:rPr lang="en-US" smtClean="0"/>
-              <a:t>4/29/2020</a:t>
+              <a:t>5/1/2020</a:t>
             </a:fld>
             <a:endParaRPr lang="en-US"/>
           </a:p>
@@ -3246,7 +3246,7 @@
           <a:p>
             <a:fld id="{59E4852F-AA52-4D36-99F0-0C623AEDDEB6}" type="datetimeFigureOut">
               <a:rPr lang="en-US" smtClean="0"/>
-              <a:t>4/29/2020</a:t>
+              <a:t>5/1/2020</a:t>
             </a:fld>
             <a:endParaRPr lang="en-US"/>
           </a:p>
@@ -5832,7 +5832,9 @@
           </a:xfrm>
         </p:spPr>
         <p:txBody>
-          <a:bodyPr/>
+          <a:bodyPr>
+            <a:normAutofit fontScale="92500" lnSpcReduction="20000"/>
+          </a:bodyPr>
           <a:lstStyle/>
           <a:p>
             <a:r>
@@ -5849,25 +5851,33 @@
           <a:p>
             <a:r>
               <a:rPr lang="en-US" dirty="0"/>
-              <a:t>Why we chose 2017</a:t>
+              <a:t>We chose 2017 for more recent data from both sources to analyze</a:t>
             </a:r>
           </a:p>
           <a:p>
             <a:r>
               <a:rPr lang="en-US" dirty="0"/>
-              <a:t>Why we chose Nitrogen Dioxide</a:t>
+              <a:t>Nitrogen Dioxide and Ozone are two air pollutants recognized as harmful to humans by the EPA and both are regulated in the United States. They are released in the air most often due to burning of fossil fuels.</a:t>
             </a:r>
           </a:p>
           <a:p>
             <a:r>
               <a:rPr lang="en-US" dirty="0"/>
-              <a:t>What did we want to test?</a:t>
-            </a:r>
-          </a:p>
-          <a:p>
+              <a:t>Hypothesis: If the air quality is low, there will be higher levels of obesity. If there are air pollutants, the overall health of a state will be lowered. In the presence of pollutants Nitrogen Dioxide (NO</a:t>
+            </a:r>
+            <a:r>
+              <a:rPr lang="en-US" baseline="-25000" dirty="0"/>
+              <a:t>2</a:t>
+            </a:r>
             <a:r>
               <a:rPr lang="en-US" dirty="0"/>
-              <a:t>Sample size -   csv file - 63,000 rows, 33 columns </a:t>
+              <a:t>) and Ozone, there will be higher instances of obesity or lower health standards as measured by states. </a:t>
+            </a:r>
+          </a:p>
+          <a:p>
+            <a:r>
+              <a:rPr lang="en-US" dirty="0"/>
+              <a:t>Sample size -   csv file - 63,000 data points. API – data measurements from collection sites across 47 states.</a:t>
             </a:r>
           </a:p>
         </p:txBody>
@@ -5955,7 +5965,15 @@
           <a:p>
             <a:r>
               <a:rPr lang="en-US" dirty="0"/>
-              <a:t>Why we chose NO2</a:t>
+              <a:t>Why we chose NO</a:t>
+            </a:r>
+            <a:r>
+              <a:rPr lang="en-US" baseline="-25000" dirty="0"/>
+              <a:t>2</a:t>
+            </a:r>
+            <a:r>
+              <a:rPr lang="en-US" dirty="0"/>
+              <a:t> and ozone</a:t>
             </a:r>
           </a:p>
         </p:txBody>
@@ -6007,7 +6025,7 @@
           <a:p>
             <a:r>
               <a:rPr lang="en-US" sz="1600" dirty="0"/>
-              <a:t>On our API, we had all parameters available for No2 among the 6 pollutants. We also tested </a:t>
+              <a:t>On our API, we had all parameters available for No2 and ozone among the 6 pollutants. We also tested </a:t>
             </a:r>
           </a:p>
           <a:p>
